--- a/Docs/chopp com biometria logica.pptx
+++ b/Docs/chopp com biometria logica.pptx
@@ -8582,7 +8582,7 @@
         </p:nvSpPr>
         <p:spPr>
           <a:xfrm>
-            <a:off x="9487400" y="5218873"/>
+            <a:off x="9496595" y="3704615"/>
             <a:ext cx="490839" cy="253916"/>
           </a:xfrm>
           <a:prstGeom prst="rect">
@@ -9367,7 +9367,7 @@
         </p:nvSpPr>
         <p:spPr>
           <a:xfrm>
-            <a:off x="10261824" y="5220403"/>
+            <a:off x="10271019" y="3706145"/>
             <a:ext cx="490839" cy="253916"/>
           </a:xfrm>
           <a:prstGeom prst="rect">
@@ -9416,7 +9416,7 @@
         </p:nvSpPr>
         <p:spPr>
           <a:xfrm>
-            <a:off x="11058287" y="5218873"/>
+            <a:off x="11067482" y="3704615"/>
             <a:ext cx="490839" cy="253916"/>
           </a:xfrm>
           <a:prstGeom prst="rect">
